--- a/ppt 16-9/0789.拥有主我心满.pptx
+++ b/ppt 16-9/0789.拥有主我心满.pptx
@@ -5,7 +5,7 @@
     <p:sldMasterId id="2147483648" r:id="rId1"/>
   </p:sldMasterIdLst>
   <p:sldIdLst>
-    <p:sldId id="2055" r:id="rId2"/>
+    <p:sldId id="2056" r:id="rId2"/>
   </p:sldIdLst>
   <p:sldSz cx="12192000" cy="6858000"/>
   <p:notesSz cx="6858000" cy="9144000"/>
@@ -129,7 +129,7 @@
           <p:cNvPr id="2" name="标题 1">
             <a:extLst>
               <a:ext uri="{FF2B5EF4-FFF2-40B4-BE49-F238E27FC236}">
-                <a16:creationId xmlns:a16="http://schemas.microsoft.com/office/drawing/2014/main" id="{0F33162A-1D95-3456-A43A-FFA3268769BE}"/>
+                <a16:creationId xmlns:a16="http://schemas.microsoft.com/office/drawing/2014/main" id="{8F0916E2-8D82-1A52-BE28-EFF889000B52}"/>
               </a:ext>
             </a:extLst>
           </p:cNvPr>
@@ -166,7 +166,7 @@
           <p:cNvPr id="3" name="副标题 2">
             <a:extLst>
               <a:ext uri="{FF2B5EF4-FFF2-40B4-BE49-F238E27FC236}">
-                <a16:creationId xmlns:a16="http://schemas.microsoft.com/office/drawing/2014/main" id="{5802CA1D-7405-3BD4-D1D8-1291C4A4D006}"/>
+                <a16:creationId xmlns:a16="http://schemas.microsoft.com/office/drawing/2014/main" id="{D9117F12-0751-D39D-65F2-B678870CB086}"/>
               </a:ext>
             </a:extLst>
           </p:cNvPr>
@@ -236,7 +236,7 @@
           <p:cNvPr id="4" name="日期占位符 3">
             <a:extLst>
               <a:ext uri="{FF2B5EF4-FFF2-40B4-BE49-F238E27FC236}">
-                <a16:creationId xmlns:a16="http://schemas.microsoft.com/office/drawing/2014/main" id="{6F2EEC8B-F6F6-DA32-CF0E-DA446E91849E}"/>
+                <a16:creationId xmlns:a16="http://schemas.microsoft.com/office/drawing/2014/main" id="{F4A9242B-96CC-10DB-7EDE-18C73730A9C7}"/>
               </a:ext>
             </a:extLst>
           </p:cNvPr>
@@ -252,7 +252,7 @@
           <a:bodyPr/>
           <a:lstStyle/>
           <a:p>
-            <a:fld id="{5E421C36-B978-4A78-8AAA-0BE04BDDEA77}" type="datetimeFigureOut">
+            <a:fld id="{64584E25-238F-4DC2-8576-BCA5858E30F7}" type="datetimeFigureOut">
               <a:rPr lang="zh-CN" altLang="en-US" smtClean="0"/>
               <a:t>2024/3/10</a:t>
             </a:fld>
@@ -265,7 +265,7 @@
           <p:cNvPr id="5" name="页脚占位符 4">
             <a:extLst>
               <a:ext uri="{FF2B5EF4-FFF2-40B4-BE49-F238E27FC236}">
-                <a16:creationId xmlns:a16="http://schemas.microsoft.com/office/drawing/2014/main" id="{CC0A1B7D-8F61-111D-624D-5C541F07A54A}"/>
+                <a16:creationId xmlns:a16="http://schemas.microsoft.com/office/drawing/2014/main" id="{FBCDD20E-0B5F-2C93-57E8-DFB9D7A19C56}"/>
               </a:ext>
             </a:extLst>
           </p:cNvPr>
@@ -290,7 +290,7 @@
           <p:cNvPr id="6" name="灯片编号占位符 5">
             <a:extLst>
               <a:ext uri="{FF2B5EF4-FFF2-40B4-BE49-F238E27FC236}">
-                <a16:creationId xmlns:a16="http://schemas.microsoft.com/office/drawing/2014/main" id="{B20CB439-8F0A-F9DB-17C1-8C24D177D3EC}"/>
+                <a16:creationId xmlns:a16="http://schemas.microsoft.com/office/drawing/2014/main" id="{D414AD6A-117C-35DB-29E0-9DF59E5AFC23}"/>
               </a:ext>
             </a:extLst>
           </p:cNvPr>
@@ -306,7 +306,7 @@
           <a:bodyPr/>
           <a:lstStyle/>
           <a:p>
-            <a:fld id="{6951A948-EE73-43FB-8261-AA58B2111321}" type="slidenum">
+            <a:fld id="{18A9EDBD-CA90-49DD-8F31-47DC319BE175}" type="slidenum">
               <a:rPr lang="zh-CN" altLang="en-US" smtClean="0"/>
               <a:t>‹#›</a:t>
             </a:fld>
@@ -317,7 +317,7 @@
     </p:spTree>
     <p:extLst>
       <p:ext uri="{BB962C8B-B14F-4D97-AF65-F5344CB8AC3E}">
-        <p14:creationId xmlns:p14="http://schemas.microsoft.com/office/powerpoint/2010/main" val="324122339"/>
+        <p14:creationId xmlns:p14="http://schemas.microsoft.com/office/powerpoint/2010/main" val="4140153125"/>
       </p:ext>
     </p:extLst>
   </p:cSld>
@@ -349,7 +349,7 @@
           <p:cNvPr id="2" name="标题 1">
             <a:extLst>
               <a:ext uri="{FF2B5EF4-FFF2-40B4-BE49-F238E27FC236}">
-                <a16:creationId xmlns:a16="http://schemas.microsoft.com/office/drawing/2014/main" id="{152218DB-77EF-DDFC-5693-D47ED3160FC8}"/>
+                <a16:creationId xmlns:a16="http://schemas.microsoft.com/office/drawing/2014/main" id="{BC423B68-5098-267A-9ACA-81D276AD2053}"/>
               </a:ext>
             </a:extLst>
           </p:cNvPr>
@@ -377,7 +377,7 @@
           <p:cNvPr id="3" name="竖排文字占位符 2">
             <a:extLst>
               <a:ext uri="{FF2B5EF4-FFF2-40B4-BE49-F238E27FC236}">
-                <a16:creationId xmlns:a16="http://schemas.microsoft.com/office/drawing/2014/main" id="{5D7B592C-2513-7671-5546-FE793C4C7EEA}"/>
+                <a16:creationId xmlns:a16="http://schemas.microsoft.com/office/drawing/2014/main" id="{F655A410-1F70-AD5B-BF2A-C6C694755318}"/>
               </a:ext>
             </a:extLst>
           </p:cNvPr>
@@ -434,7 +434,7 @@
           <p:cNvPr id="4" name="日期占位符 3">
             <a:extLst>
               <a:ext uri="{FF2B5EF4-FFF2-40B4-BE49-F238E27FC236}">
-                <a16:creationId xmlns:a16="http://schemas.microsoft.com/office/drawing/2014/main" id="{0D885476-6E0C-0FFC-1E21-FAAC130FDFE9}"/>
+                <a16:creationId xmlns:a16="http://schemas.microsoft.com/office/drawing/2014/main" id="{1484D71A-AC7E-4A58-7A9B-A189CF4C0C72}"/>
               </a:ext>
             </a:extLst>
           </p:cNvPr>
@@ -450,7 +450,7 @@
           <a:bodyPr/>
           <a:lstStyle/>
           <a:p>
-            <a:fld id="{5E421C36-B978-4A78-8AAA-0BE04BDDEA77}" type="datetimeFigureOut">
+            <a:fld id="{64584E25-238F-4DC2-8576-BCA5858E30F7}" type="datetimeFigureOut">
               <a:rPr lang="zh-CN" altLang="en-US" smtClean="0"/>
               <a:t>2024/3/10</a:t>
             </a:fld>
@@ -463,7 +463,7 @@
           <p:cNvPr id="5" name="页脚占位符 4">
             <a:extLst>
               <a:ext uri="{FF2B5EF4-FFF2-40B4-BE49-F238E27FC236}">
-                <a16:creationId xmlns:a16="http://schemas.microsoft.com/office/drawing/2014/main" id="{E2DEBFDD-BA8D-2115-6612-70304562B534}"/>
+                <a16:creationId xmlns:a16="http://schemas.microsoft.com/office/drawing/2014/main" id="{8CE8A736-9AC0-A22B-B89D-3CC477BE55F2}"/>
               </a:ext>
             </a:extLst>
           </p:cNvPr>
@@ -488,7 +488,7 @@
           <p:cNvPr id="6" name="灯片编号占位符 5">
             <a:extLst>
               <a:ext uri="{FF2B5EF4-FFF2-40B4-BE49-F238E27FC236}">
-                <a16:creationId xmlns:a16="http://schemas.microsoft.com/office/drawing/2014/main" id="{8EEAB9C2-852F-2835-EE34-EEA24B4EDBE6}"/>
+                <a16:creationId xmlns:a16="http://schemas.microsoft.com/office/drawing/2014/main" id="{8FF172A9-6952-050D-70DF-F8976FCA1BB3}"/>
               </a:ext>
             </a:extLst>
           </p:cNvPr>
@@ -504,7 +504,7 @@
           <a:bodyPr/>
           <a:lstStyle/>
           <a:p>
-            <a:fld id="{6951A948-EE73-43FB-8261-AA58B2111321}" type="slidenum">
+            <a:fld id="{18A9EDBD-CA90-49DD-8F31-47DC319BE175}" type="slidenum">
               <a:rPr lang="zh-CN" altLang="en-US" smtClean="0"/>
               <a:t>‹#›</a:t>
             </a:fld>
@@ -515,7 +515,7 @@
     </p:spTree>
     <p:extLst>
       <p:ext uri="{BB962C8B-B14F-4D97-AF65-F5344CB8AC3E}">
-        <p14:creationId xmlns:p14="http://schemas.microsoft.com/office/powerpoint/2010/main" val="2657917831"/>
+        <p14:creationId xmlns:p14="http://schemas.microsoft.com/office/powerpoint/2010/main" val="530254620"/>
       </p:ext>
     </p:extLst>
   </p:cSld>
@@ -547,7 +547,7 @@
           <p:cNvPr id="2" name="竖排标题 1">
             <a:extLst>
               <a:ext uri="{FF2B5EF4-FFF2-40B4-BE49-F238E27FC236}">
-                <a16:creationId xmlns:a16="http://schemas.microsoft.com/office/drawing/2014/main" id="{26E54A1D-AB48-20E5-7037-D6BB4B94A235}"/>
+                <a16:creationId xmlns:a16="http://schemas.microsoft.com/office/drawing/2014/main" id="{F2ABBE8E-3E4A-9085-EF7D-42D159B00FEC}"/>
               </a:ext>
             </a:extLst>
           </p:cNvPr>
@@ -580,7 +580,7 @@
           <p:cNvPr id="3" name="竖排文字占位符 2">
             <a:extLst>
               <a:ext uri="{FF2B5EF4-FFF2-40B4-BE49-F238E27FC236}">
-                <a16:creationId xmlns:a16="http://schemas.microsoft.com/office/drawing/2014/main" id="{1D634D30-F379-0A9C-99E3-A79FB997C790}"/>
+                <a16:creationId xmlns:a16="http://schemas.microsoft.com/office/drawing/2014/main" id="{F33D63C0-C770-7A07-0482-90CD094230A8}"/>
               </a:ext>
             </a:extLst>
           </p:cNvPr>
@@ -642,7 +642,7 @@
           <p:cNvPr id="4" name="日期占位符 3">
             <a:extLst>
               <a:ext uri="{FF2B5EF4-FFF2-40B4-BE49-F238E27FC236}">
-                <a16:creationId xmlns:a16="http://schemas.microsoft.com/office/drawing/2014/main" id="{98E11AE5-F8C9-3D81-D7F5-64853192BE8F}"/>
+                <a16:creationId xmlns:a16="http://schemas.microsoft.com/office/drawing/2014/main" id="{FE2543FB-3D50-DCCF-938B-8899AF440247}"/>
               </a:ext>
             </a:extLst>
           </p:cNvPr>
@@ -658,7 +658,7 @@
           <a:bodyPr/>
           <a:lstStyle/>
           <a:p>
-            <a:fld id="{5E421C36-B978-4A78-8AAA-0BE04BDDEA77}" type="datetimeFigureOut">
+            <a:fld id="{64584E25-238F-4DC2-8576-BCA5858E30F7}" type="datetimeFigureOut">
               <a:rPr lang="zh-CN" altLang="en-US" smtClean="0"/>
               <a:t>2024/3/10</a:t>
             </a:fld>
@@ -671,7 +671,7 @@
           <p:cNvPr id="5" name="页脚占位符 4">
             <a:extLst>
               <a:ext uri="{FF2B5EF4-FFF2-40B4-BE49-F238E27FC236}">
-                <a16:creationId xmlns:a16="http://schemas.microsoft.com/office/drawing/2014/main" id="{6B495170-717D-7814-C6B7-F4FB188986AE}"/>
+                <a16:creationId xmlns:a16="http://schemas.microsoft.com/office/drawing/2014/main" id="{321564FF-4114-1DF0-5519-241A533E2646}"/>
               </a:ext>
             </a:extLst>
           </p:cNvPr>
@@ -696,7 +696,7 @@
           <p:cNvPr id="6" name="灯片编号占位符 5">
             <a:extLst>
               <a:ext uri="{FF2B5EF4-FFF2-40B4-BE49-F238E27FC236}">
-                <a16:creationId xmlns:a16="http://schemas.microsoft.com/office/drawing/2014/main" id="{E4F67CC4-C50D-F18B-687A-D5E1BFC06624}"/>
+                <a16:creationId xmlns:a16="http://schemas.microsoft.com/office/drawing/2014/main" id="{E0E07C5A-99A1-EE13-5E6D-271E4F642E3E}"/>
               </a:ext>
             </a:extLst>
           </p:cNvPr>
@@ -712,7 +712,7 @@
           <a:bodyPr/>
           <a:lstStyle/>
           <a:p>
-            <a:fld id="{6951A948-EE73-43FB-8261-AA58B2111321}" type="slidenum">
+            <a:fld id="{18A9EDBD-CA90-49DD-8F31-47DC319BE175}" type="slidenum">
               <a:rPr lang="zh-CN" altLang="en-US" smtClean="0"/>
               <a:t>‹#›</a:t>
             </a:fld>
@@ -723,7 +723,7 @@
     </p:spTree>
     <p:extLst>
       <p:ext uri="{BB962C8B-B14F-4D97-AF65-F5344CB8AC3E}">
-        <p14:creationId xmlns:p14="http://schemas.microsoft.com/office/powerpoint/2010/main" val="3805518666"/>
+        <p14:creationId xmlns:p14="http://schemas.microsoft.com/office/powerpoint/2010/main" val="1417498098"/>
       </p:ext>
     </p:extLst>
   </p:cSld>
@@ -755,7 +755,7 @@
           <p:cNvPr id="2" name="标题 1">
             <a:extLst>
               <a:ext uri="{FF2B5EF4-FFF2-40B4-BE49-F238E27FC236}">
-                <a16:creationId xmlns:a16="http://schemas.microsoft.com/office/drawing/2014/main" id="{E2E71F19-2051-C4D8-5A16-7FB60460097B}"/>
+                <a16:creationId xmlns:a16="http://schemas.microsoft.com/office/drawing/2014/main" id="{8E0D0B28-EC1A-77C1-C3CF-0BBB6FD167C9}"/>
               </a:ext>
             </a:extLst>
           </p:cNvPr>
@@ -783,7 +783,7 @@
           <p:cNvPr id="3" name="内容占位符 2">
             <a:extLst>
               <a:ext uri="{FF2B5EF4-FFF2-40B4-BE49-F238E27FC236}">
-                <a16:creationId xmlns:a16="http://schemas.microsoft.com/office/drawing/2014/main" id="{CD6E57B1-0945-1285-0926-4C351644B392}"/>
+                <a16:creationId xmlns:a16="http://schemas.microsoft.com/office/drawing/2014/main" id="{A7F2F2D8-7164-D601-B0B4-5A64D11CC5FF}"/>
               </a:ext>
             </a:extLst>
           </p:cNvPr>
@@ -840,7 +840,7 @@
           <p:cNvPr id="4" name="日期占位符 3">
             <a:extLst>
               <a:ext uri="{FF2B5EF4-FFF2-40B4-BE49-F238E27FC236}">
-                <a16:creationId xmlns:a16="http://schemas.microsoft.com/office/drawing/2014/main" id="{9E27F2EC-1586-88AD-001B-B166CA6600BA}"/>
+                <a16:creationId xmlns:a16="http://schemas.microsoft.com/office/drawing/2014/main" id="{FCAC475B-66F1-86DF-32FF-3574FB034AB5}"/>
               </a:ext>
             </a:extLst>
           </p:cNvPr>
@@ -856,7 +856,7 @@
           <a:bodyPr/>
           <a:lstStyle/>
           <a:p>
-            <a:fld id="{5E421C36-B978-4A78-8AAA-0BE04BDDEA77}" type="datetimeFigureOut">
+            <a:fld id="{64584E25-238F-4DC2-8576-BCA5858E30F7}" type="datetimeFigureOut">
               <a:rPr lang="zh-CN" altLang="en-US" smtClean="0"/>
               <a:t>2024/3/10</a:t>
             </a:fld>
@@ -869,7 +869,7 @@
           <p:cNvPr id="5" name="页脚占位符 4">
             <a:extLst>
               <a:ext uri="{FF2B5EF4-FFF2-40B4-BE49-F238E27FC236}">
-                <a16:creationId xmlns:a16="http://schemas.microsoft.com/office/drawing/2014/main" id="{30BB8875-BF43-FB1E-CB04-BB1C9117E03B}"/>
+                <a16:creationId xmlns:a16="http://schemas.microsoft.com/office/drawing/2014/main" id="{CA9B91AA-0261-E385-AA92-6A0561FB8D5D}"/>
               </a:ext>
             </a:extLst>
           </p:cNvPr>
@@ -894,7 +894,7 @@
           <p:cNvPr id="6" name="灯片编号占位符 5">
             <a:extLst>
               <a:ext uri="{FF2B5EF4-FFF2-40B4-BE49-F238E27FC236}">
-                <a16:creationId xmlns:a16="http://schemas.microsoft.com/office/drawing/2014/main" id="{44FB440A-8036-D1F4-E81E-9997F49C3E84}"/>
+                <a16:creationId xmlns:a16="http://schemas.microsoft.com/office/drawing/2014/main" id="{6A401C0B-0C55-08D2-B822-F7FA38246221}"/>
               </a:ext>
             </a:extLst>
           </p:cNvPr>
@@ -910,7 +910,7 @@
           <a:bodyPr/>
           <a:lstStyle/>
           <a:p>
-            <a:fld id="{6951A948-EE73-43FB-8261-AA58B2111321}" type="slidenum">
+            <a:fld id="{18A9EDBD-CA90-49DD-8F31-47DC319BE175}" type="slidenum">
               <a:rPr lang="zh-CN" altLang="en-US" smtClean="0"/>
               <a:t>‹#›</a:t>
             </a:fld>
@@ -921,7 +921,7 @@
     </p:spTree>
     <p:extLst>
       <p:ext uri="{BB962C8B-B14F-4D97-AF65-F5344CB8AC3E}">
-        <p14:creationId xmlns:p14="http://schemas.microsoft.com/office/powerpoint/2010/main" val="44387494"/>
+        <p14:creationId xmlns:p14="http://schemas.microsoft.com/office/powerpoint/2010/main" val="1937068320"/>
       </p:ext>
     </p:extLst>
   </p:cSld>
@@ -953,7 +953,7 @@
           <p:cNvPr id="2" name="标题 1">
             <a:extLst>
               <a:ext uri="{FF2B5EF4-FFF2-40B4-BE49-F238E27FC236}">
-                <a16:creationId xmlns:a16="http://schemas.microsoft.com/office/drawing/2014/main" id="{559C44CD-17BF-A301-CCCD-9E752A0DF6CA}"/>
+                <a16:creationId xmlns:a16="http://schemas.microsoft.com/office/drawing/2014/main" id="{F21A5803-1C8B-1689-3CD6-5136DB075B0B}"/>
               </a:ext>
             </a:extLst>
           </p:cNvPr>
@@ -990,7 +990,7 @@
           <p:cNvPr id="3" name="文本占位符 2">
             <a:extLst>
               <a:ext uri="{FF2B5EF4-FFF2-40B4-BE49-F238E27FC236}">
-                <a16:creationId xmlns:a16="http://schemas.microsoft.com/office/drawing/2014/main" id="{2103BC37-9982-9C18-55E8-5C91609E148B}"/>
+                <a16:creationId xmlns:a16="http://schemas.microsoft.com/office/drawing/2014/main" id="{F92B30BA-8AAD-B7C1-E573-63B94C463306}"/>
               </a:ext>
             </a:extLst>
           </p:cNvPr>
@@ -1115,7 +1115,7 @@
           <p:cNvPr id="4" name="日期占位符 3">
             <a:extLst>
               <a:ext uri="{FF2B5EF4-FFF2-40B4-BE49-F238E27FC236}">
-                <a16:creationId xmlns:a16="http://schemas.microsoft.com/office/drawing/2014/main" id="{6B1B2C9C-4E77-1F09-04A2-68D984619E24}"/>
+                <a16:creationId xmlns:a16="http://schemas.microsoft.com/office/drawing/2014/main" id="{5F234047-B617-6F00-0464-05CBAA3D9EE4}"/>
               </a:ext>
             </a:extLst>
           </p:cNvPr>
@@ -1131,7 +1131,7 @@
           <a:bodyPr/>
           <a:lstStyle/>
           <a:p>
-            <a:fld id="{5E421C36-B978-4A78-8AAA-0BE04BDDEA77}" type="datetimeFigureOut">
+            <a:fld id="{64584E25-238F-4DC2-8576-BCA5858E30F7}" type="datetimeFigureOut">
               <a:rPr lang="zh-CN" altLang="en-US" smtClean="0"/>
               <a:t>2024/3/10</a:t>
             </a:fld>
@@ -1144,7 +1144,7 @@
           <p:cNvPr id="5" name="页脚占位符 4">
             <a:extLst>
               <a:ext uri="{FF2B5EF4-FFF2-40B4-BE49-F238E27FC236}">
-                <a16:creationId xmlns:a16="http://schemas.microsoft.com/office/drawing/2014/main" id="{26E7C0B9-F9C0-393A-0FA3-64DE4FEE273F}"/>
+                <a16:creationId xmlns:a16="http://schemas.microsoft.com/office/drawing/2014/main" id="{9E297240-B617-2E2B-DFBC-D1E07004A472}"/>
               </a:ext>
             </a:extLst>
           </p:cNvPr>
@@ -1169,7 +1169,7 @@
           <p:cNvPr id="6" name="灯片编号占位符 5">
             <a:extLst>
               <a:ext uri="{FF2B5EF4-FFF2-40B4-BE49-F238E27FC236}">
-                <a16:creationId xmlns:a16="http://schemas.microsoft.com/office/drawing/2014/main" id="{81CC9CA5-750F-55D6-8869-D706E4772216}"/>
+                <a16:creationId xmlns:a16="http://schemas.microsoft.com/office/drawing/2014/main" id="{65567D97-7FD7-4550-5B03-1F2451E262DA}"/>
               </a:ext>
             </a:extLst>
           </p:cNvPr>
@@ -1185,7 +1185,7 @@
           <a:bodyPr/>
           <a:lstStyle/>
           <a:p>
-            <a:fld id="{6951A948-EE73-43FB-8261-AA58B2111321}" type="slidenum">
+            <a:fld id="{18A9EDBD-CA90-49DD-8F31-47DC319BE175}" type="slidenum">
               <a:rPr lang="zh-CN" altLang="en-US" smtClean="0"/>
               <a:t>‹#›</a:t>
             </a:fld>
@@ -1196,7 +1196,7 @@
     </p:spTree>
     <p:extLst>
       <p:ext uri="{BB962C8B-B14F-4D97-AF65-F5344CB8AC3E}">
-        <p14:creationId xmlns:p14="http://schemas.microsoft.com/office/powerpoint/2010/main" val="2574970945"/>
+        <p14:creationId xmlns:p14="http://schemas.microsoft.com/office/powerpoint/2010/main" val="1460780199"/>
       </p:ext>
     </p:extLst>
   </p:cSld>
@@ -1228,7 +1228,7 @@
           <p:cNvPr id="2" name="标题 1">
             <a:extLst>
               <a:ext uri="{FF2B5EF4-FFF2-40B4-BE49-F238E27FC236}">
-                <a16:creationId xmlns:a16="http://schemas.microsoft.com/office/drawing/2014/main" id="{B3541B55-E4FC-0300-413F-708395690AB9}"/>
+                <a16:creationId xmlns:a16="http://schemas.microsoft.com/office/drawing/2014/main" id="{434F2E13-5572-9860-8264-64E3EA26BC95}"/>
               </a:ext>
             </a:extLst>
           </p:cNvPr>
@@ -1256,7 +1256,7 @@
           <p:cNvPr id="3" name="内容占位符 2">
             <a:extLst>
               <a:ext uri="{FF2B5EF4-FFF2-40B4-BE49-F238E27FC236}">
-                <a16:creationId xmlns:a16="http://schemas.microsoft.com/office/drawing/2014/main" id="{A9984BAC-B8AA-D5A1-F982-8FE0539B03F7}"/>
+                <a16:creationId xmlns:a16="http://schemas.microsoft.com/office/drawing/2014/main" id="{548C4B06-5F07-6FC6-4F22-8FDFBD856369}"/>
               </a:ext>
             </a:extLst>
           </p:cNvPr>
@@ -1318,7 +1318,7 @@
           <p:cNvPr id="4" name="内容占位符 3">
             <a:extLst>
               <a:ext uri="{FF2B5EF4-FFF2-40B4-BE49-F238E27FC236}">
-                <a16:creationId xmlns:a16="http://schemas.microsoft.com/office/drawing/2014/main" id="{84F061C2-33CA-7746-E49D-39EBFF12712B}"/>
+                <a16:creationId xmlns:a16="http://schemas.microsoft.com/office/drawing/2014/main" id="{75BB66A9-95CB-33AB-BA61-FA6E0B8A839B}"/>
               </a:ext>
             </a:extLst>
           </p:cNvPr>
@@ -1380,7 +1380,7 @@
           <p:cNvPr id="5" name="日期占位符 4">
             <a:extLst>
               <a:ext uri="{FF2B5EF4-FFF2-40B4-BE49-F238E27FC236}">
-                <a16:creationId xmlns:a16="http://schemas.microsoft.com/office/drawing/2014/main" id="{72F387EC-43A6-C677-75C2-D4430C45A610}"/>
+                <a16:creationId xmlns:a16="http://schemas.microsoft.com/office/drawing/2014/main" id="{75D6CC48-6056-BDB6-BDB2-8C01EDF37B94}"/>
               </a:ext>
             </a:extLst>
           </p:cNvPr>
@@ -1396,7 +1396,7 @@
           <a:bodyPr/>
           <a:lstStyle/>
           <a:p>
-            <a:fld id="{5E421C36-B978-4A78-8AAA-0BE04BDDEA77}" type="datetimeFigureOut">
+            <a:fld id="{64584E25-238F-4DC2-8576-BCA5858E30F7}" type="datetimeFigureOut">
               <a:rPr lang="zh-CN" altLang="en-US" smtClean="0"/>
               <a:t>2024/3/10</a:t>
             </a:fld>
@@ -1409,7 +1409,7 @@
           <p:cNvPr id="6" name="页脚占位符 5">
             <a:extLst>
               <a:ext uri="{FF2B5EF4-FFF2-40B4-BE49-F238E27FC236}">
-                <a16:creationId xmlns:a16="http://schemas.microsoft.com/office/drawing/2014/main" id="{C0192204-7990-E2AD-912E-8CDCE90EEF59}"/>
+                <a16:creationId xmlns:a16="http://schemas.microsoft.com/office/drawing/2014/main" id="{52D47088-277C-5945-AE7B-7CE831DB634A}"/>
               </a:ext>
             </a:extLst>
           </p:cNvPr>
@@ -1434,7 +1434,7 @@
           <p:cNvPr id="7" name="灯片编号占位符 6">
             <a:extLst>
               <a:ext uri="{FF2B5EF4-FFF2-40B4-BE49-F238E27FC236}">
-                <a16:creationId xmlns:a16="http://schemas.microsoft.com/office/drawing/2014/main" id="{567B8B77-7CE7-D99D-3C73-59BF9DD8EA0D}"/>
+                <a16:creationId xmlns:a16="http://schemas.microsoft.com/office/drawing/2014/main" id="{5D998821-33BC-0900-0D6C-367D293325EC}"/>
               </a:ext>
             </a:extLst>
           </p:cNvPr>
@@ -1450,7 +1450,7 @@
           <a:bodyPr/>
           <a:lstStyle/>
           <a:p>
-            <a:fld id="{6951A948-EE73-43FB-8261-AA58B2111321}" type="slidenum">
+            <a:fld id="{18A9EDBD-CA90-49DD-8F31-47DC319BE175}" type="slidenum">
               <a:rPr lang="zh-CN" altLang="en-US" smtClean="0"/>
               <a:t>‹#›</a:t>
             </a:fld>
@@ -1461,7 +1461,7 @@
     </p:spTree>
     <p:extLst>
       <p:ext uri="{BB962C8B-B14F-4D97-AF65-F5344CB8AC3E}">
-        <p14:creationId xmlns:p14="http://schemas.microsoft.com/office/powerpoint/2010/main" val="3805121865"/>
+        <p14:creationId xmlns:p14="http://schemas.microsoft.com/office/powerpoint/2010/main" val="739926115"/>
       </p:ext>
     </p:extLst>
   </p:cSld>
@@ -1493,7 +1493,7 @@
           <p:cNvPr id="2" name="标题 1">
             <a:extLst>
               <a:ext uri="{FF2B5EF4-FFF2-40B4-BE49-F238E27FC236}">
-                <a16:creationId xmlns:a16="http://schemas.microsoft.com/office/drawing/2014/main" id="{C98E522E-6FC6-5C29-E22A-BDE4871FD383}"/>
+                <a16:creationId xmlns:a16="http://schemas.microsoft.com/office/drawing/2014/main" id="{4F5A6DC5-63D0-DA5C-DFED-70509A0CA773}"/>
               </a:ext>
             </a:extLst>
           </p:cNvPr>
@@ -1526,7 +1526,7 @@
           <p:cNvPr id="3" name="文本占位符 2">
             <a:extLst>
               <a:ext uri="{FF2B5EF4-FFF2-40B4-BE49-F238E27FC236}">
-                <a16:creationId xmlns:a16="http://schemas.microsoft.com/office/drawing/2014/main" id="{1403B9D0-131A-622F-D05D-4F2E835699B3}"/>
+                <a16:creationId xmlns:a16="http://schemas.microsoft.com/office/drawing/2014/main" id="{ABA79F34-1053-38B9-BAEF-D957D8A4EE2F}"/>
               </a:ext>
             </a:extLst>
           </p:cNvPr>
@@ -1597,7 +1597,7 @@
           <p:cNvPr id="4" name="内容占位符 3">
             <a:extLst>
               <a:ext uri="{FF2B5EF4-FFF2-40B4-BE49-F238E27FC236}">
-                <a16:creationId xmlns:a16="http://schemas.microsoft.com/office/drawing/2014/main" id="{00E13D3C-8514-2F4E-BBD4-50CF45399939}"/>
+                <a16:creationId xmlns:a16="http://schemas.microsoft.com/office/drawing/2014/main" id="{CF08D3CB-9971-5B5D-AAD2-C47D77D50F82}"/>
               </a:ext>
             </a:extLst>
           </p:cNvPr>
@@ -1659,7 +1659,7 @@
           <p:cNvPr id="5" name="文本占位符 4">
             <a:extLst>
               <a:ext uri="{FF2B5EF4-FFF2-40B4-BE49-F238E27FC236}">
-                <a16:creationId xmlns:a16="http://schemas.microsoft.com/office/drawing/2014/main" id="{0308E2D4-75CE-0288-A850-9501D5BE1FE7}"/>
+                <a16:creationId xmlns:a16="http://schemas.microsoft.com/office/drawing/2014/main" id="{9C1F272C-8CCB-17FA-A14B-4231C6FD60B2}"/>
               </a:ext>
             </a:extLst>
           </p:cNvPr>
@@ -1730,7 +1730,7 @@
           <p:cNvPr id="6" name="内容占位符 5">
             <a:extLst>
               <a:ext uri="{FF2B5EF4-FFF2-40B4-BE49-F238E27FC236}">
-                <a16:creationId xmlns:a16="http://schemas.microsoft.com/office/drawing/2014/main" id="{7E780311-2E75-71B0-0B9D-F5FF39BD5355}"/>
+                <a16:creationId xmlns:a16="http://schemas.microsoft.com/office/drawing/2014/main" id="{7043CC26-B20E-A219-610C-B72C5F0FA274}"/>
               </a:ext>
             </a:extLst>
           </p:cNvPr>
@@ -1792,7 +1792,7 @@
           <p:cNvPr id="7" name="日期占位符 6">
             <a:extLst>
               <a:ext uri="{FF2B5EF4-FFF2-40B4-BE49-F238E27FC236}">
-                <a16:creationId xmlns:a16="http://schemas.microsoft.com/office/drawing/2014/main" id="{CECDFF2F-CFD3-6F99-F95D-6C269BEE7C94}"/>
+                <a16:creationId xmlns:a16="http://schemas.microsoft.com/office/drawing/2014/main" id="{944E1319-3B79-CFF8-F4C9-8C558E580AA5}"/>
               </a:ext>
             </a:extLst>
           </p:cNvPr>
@@ -1808,7 +1808,7 @@
           <a:bodyPr/>
           <a:lstStyle/>
           <a:p>
-            <a:fld id="{5E421C36-B978-4A78-8AAA-0BE04BDDEA77}" type="datetimeFigureOut">
+            <a:fld id="{64584E25-238F-4DC2-8576-BCA5858E30F7}" type="datetimeFigureOut">
               <a:rPr lang="zh-CN" altLang="en-US" smtClean="0"/>
               <a:t>2024/3/10</a:t>
             </a:fld>
@@ -1821,7 +1821,7 @@
           <p:cNvPr id="8" name="页脚占位符 7">
             <a:extLst>
               <a:ext uri="{FF2B5EF4-FFF2-40B4-BE49-F238E27FC236}">
-                <a16:creationId xmlns:a16="http://schemas.microsoft.com/office/drawing/2014/main" id="{29D78EA4-6C32-0F48-9F85-1727A86EB462}"/>
+                <a16:creationId xmlns:a16="http://schemas.microsoft.com/office/drawing/2014/main" id="{F8D76BFD-D960-9B17-DFB3-0369E28EFA66}"/>
               </a:ext>
             </a:extLst>
           </p:cNvPr>
@@ -1846,7 +1846,7 @@
           <p:cNvPr id="9" name="灯片编号占位符 8">
             <a:extLst>
               <a:ext uri="{FF2B5EF4-FFF2-40B4-BE49-F238E27FC236}">
-                <a16:creationId xmlns:a16="http://schemas.microsoft.com/office/drawing/2014/main" id="{2E6EAADC-8E01-3021-02A5-8852B7148009}"/>
+                <a16:creationId xmlns:a16="http://schemas.microsoft.com/office/drawing/2014/main" id="{1695ECAA-54FB-77D8-0A38-24CC31759DEE}"/>
               </a:ext>
             </a:extLst>
           </p:cNvPr>
@@ -1862,7 +1862,7 @@
           <a:bodyPr/>
           <a:lstStyle/>
           <a:p>
-            <a:fld id="{6951A948-EE73-43FB-8261-AA58B2111321}" type="slidenum">
+            <a:fld id="{18A9EDBD-CA90-49DD-8F31-47DC319BE175}" type="slidenum">
               <a:rPr lang="zh-CN" altLang="en-US" smtClean="0"/>
               <a:t>‹#›</a:t>
             </a:fld>
@@ -1873,7 +1873,7 @@
     </p:spTree>
     <p:extLst>
       <p:ext uri="{BB962C8B-B14F-4D97-AF65-F5344CB8AC3E}">
-        <p14:creationId xmlns:p14="http://schemas.microsoft.com/office/powerpoint/2010/main" val="541596881"/>
+        <p14:creationId xmlns:p14="http://schemas.microsoft.com/office/powerpoint/2010/main" val="3090402013"/>
       </p:ext>
     </p:extLst>
   </p:cSld>
@@ -1905,7 +1905,7 @@
           <p:cNvPr id="2" name="标题 1">
             <a:extLst>
               <a:ext uri="{FF2B5EF4-FFF2-40B4-BE49-F238E27FC236}">
-                <a16:creationId xmlns:a16="http://schemas.microsoft.com/office/drawing/2014/main" id="{8B862F36-59EB-EC78-B6BD-7C506FA3FD90}"/>
+                <a16:creationId xmlns:a16="http://schemas.microsoft.com/office/drawing/2014/main" id="{DFD7F757-A87D-CE19-11B4-F087CB1B2448}"/>
               </a:ext>
             </a:extLst>
           </p:cNvPr>
@@ -1933,7 +1933,7 @@
           <p:cNvPr id="3" name="日期占位符 2">
             <a:extLst>
               <a:ext uri="{FF2B5EF4-FFF2-40B4-BE49-F238E27FC236}">
-                <a16:creationId xmlns:a16="http://schemas.microsoft.com/office/drawing/2014/main" id="{A99AD5D8-4BC6-97B0-75DD-882EBB995081}"/>
+                <a16:creationId xmlns:a16="http://schemas.microsoft.com/office/drawing/2014/main" id="{E4094939-06C9-DA66-EC5F-651B678F99FD}"/>
               </a:ext>
             </a:extLst>
           </p:cNvPr>
@@ -1949,7 +1949,7 @@
           <a:bodyPr/>
           <a:lstStyle/>
           <a:p>
-            <a:fld id="{5E421C36-B978-4A78-8AAA-0BE04BDDEA77}" type="datetimeFigureOut">
+            <a:fld id="{64584E25-238F-4DC2-8576-BCA5858E30F7}" type="datetimeFigureOut">
               <a:rPr lang="zh-CN" altLang="en-US" smtClean="0"/>
               <a:t>2024/3/10</a:t>
             </a:fld>
@@ -1962,7 +1962,7 @@
           <p:cNvPr id="4" name="页脚占位符 3">
             <a:extLst>
               <a:ext uri="{FF2B5EF4-FFF2-40B4-BE49-F238E27FC236}">
-                <a16:creationId xmlns:a16="http://schemas.microsoft.com/office/drawing/2014/main" id="{9E163695-8478-421E-F7E6-0F7B3FB022BB}"/>
+                <a16:creationId xmlns:a16="http://schemas.microsoft.com/office/drawing/2014/main" id="{B3A7CA30-41F0-93A6-B495-010B00A7B50A}"/>
               </a:ext>
             </a:extLst>
           </p:cNvPr>
@@ -1987,7 +1987,7 @@
           <p:cNvPr id="5" name="灯片编号占位符 4">
             <a:extLst>
               <a:ext uri="{FF2B5EF4-FFF2-40B4-BE49-F238E27FC236}">
-                <a16:creationId xmlns:a16="http://schemas.microsoft.com/office/drawing/2014/main" id="{DA8D525D-654B-362C-680C-8E4E981648C7}"/>
+                <a16:creationId xmlns:a16="http://schemas.microsoft.com/office/drawing/2014/main" id="{9980FB11-4B41-3DF3-2C1C-CDB9514008C6}"/>
               </a:ext>
             </a:extLst>
           </p:cNvPr>
@@ -2003,7 +2003,7 @@
           <a:bodyPr/>
           <a:lstStyle/>
           <a:p>
-            <a:fld id="{6951A948-EE73-43FB-8261-AA58B2111321}" type="slidenum">
+            <a:fld id="{18A9EDBD-CA90-49DD-8F31-47DC319BE175}" type="slidenum">
               <a:rPr lang="zh-CN" altLang="en-US" smtClean="0"/>
               <a:t>‹#›</a:t>
             </a:fld>
@@ -2014,7 +2014,7 @@
     </p:spTree>
     <p:extLst>
       <p:ext uri="{BB962C8B-B14F-4D97-AF65-F5344CB8AC3E}">
-        <p14:creationId xmlns:p14="http://schemas.microsoft.com/office/powerpoint/2010/main" val="1631804213"/>
+        <p14:creationId xmlns:p14="http://schemas.microsoft.com/office/powerpoint/2010/main" val="2202160499"/>
       </p:ext>
     </p:extLst>
   </p:cSld>
@@ -2046,7 +2046,7 @@
           <p:cNvPr id="2" name="日期占位符 1">
             <a:extLst>
               <a:ext uri="{FF2B5EF4-FFF2-40B4-BE49-F238E27FC236}">
-                <a16:creationId xmlns:a16="http://schemas.microsoft.com/office/drawing/2014/main" id="{230E64E6-E5BF-99F5-862D-096899214B79}"/>
+                <a16:creationId xmlns:a16="http://schemas.microsoft.com/office/drawing/2014/main" id="{2E4B6EB8-7FC1-1E5A-63CD-3F265FEB55F6}"/>
               </a:ext>
             </a:extLst>
           </p:cNvPr>
@@ -2062,7 +2062,7 @@
           <a:bodyPr/>
           <a:lstStyle/>
           <a:p>
-            <a:fld id="{5E421C36-B978-4A78-8AAA-0BE04BDDEA77}" type="datetimeFigureOut">
+            <a:fld id="{64584E25-238F-4DC2-8576-BCA5858E30F7}" type="datetimeFigureOut">
               <a:rPr lang="zh-CN" altLang="en-US" smtClean="0"/>
               <a:t>2024/3/10</a:t>
             </a:fld>
@@ -2075,7 +2075,7 @@
           <p:cNvPr id="3" name="页脚占位符 2">
             <a:extLst>
               <a:ext uri="{FF2B5EF4-FFF2-40B4-BE49-F238E27FC236}">
-                <a16:creationId xmlns:a16="http://schemas.microsoft.com/office/drawing/2014/main" id="{5E859E30-23D3-B368-A464-D824A9487959}"/>
+                <a16:creationId xmlns:a16="http://schemas.microsoft.com/office/drawing/2014/main" id="{9863944C-5596-E685-DECE-32C37E83FA42}"/>
               </a:ext>
             </a:extLst>
           </p:cNvPr>
@@ -2100,7 +2100,7 @@
           <p:cNvPr id="4" name="灯片编号占位符 3">
             <a:extLst>
               <a:ext uri="{FF2B5EF4-FFF2-40B4-BE49-F238E27FC236}">
-                <a16:creationId xmlns:a16="http://schemas.microsoft.com/office/drawing/2014/main" id="{4ED2E661-A9CE-1D73-4B3E-31EB745A5B5C}"/>
+                <a16:creationId xmlns:a16="http://schemas.microsoft.com/office/drawing/2014/main" id="{9A9F2C7F-68CE-194F-F4B4-AB35FD195ABF}"/>
               </a:ext>
             </a:extLst>
           </p:cNvPr>
@@ -2116,7 +2116,7 @@
           <a:bodyPr/>
           <a:lstStyle/>
           <a:p>
-            <a:fld id="{6951A948-EE73-43FB-8261-AA58B2111321}" type="slidenum">
+            <a:fld id="{18A9EDBD-CA90-49DD-8F31-47DC319BE175}" type="slidenum">
               <a:rPr lang="zh-CN" altLang="en-US" smtClean="0"/>
               <a:t>‹#›</a:t>
             </a:fld>
@@ -2127,7 +2127,7 @@
     </p:spTree>
     <p:extLst>
       <p:ext uri="{BB962C8B-B14F-4D97-AF65-F5344CB8AC3E}">
-        <p14:creationId xmlns:p14="http://schemas.microsoft.com/office/powerpoint/2010/main" val="3384230770"/>
+        <p14:creationId xmlns:p14="http://schemas.microsoft.com/office/powerpoint/2010/main" val="49987580"/>
       </p:ext>
     </p:extLst>
   </p:cSld>
@@ -2159,7 +2159,7 @@
           <p:cNvPr id="2" name="标题 1">
             <a:extLst>
               <a:ext uri="{FF2B5EF4-FFF2-40B4-BE49-F238E27FC236}">
-                <a16:creationId xmlns:a16="http://schemas.microsoft.com/office/drawing/2014/main" id="{4E88D863-99F0-7937-B947-5B534AF5B659}"/>
+                <a16:creationId xmlns:a16="http://schemas.microsoft.com/office/drawing/2014/main" id="{F6947767-8303-AF84-B9F3-31C9D56C4643}"/>
               </a:ext>
             </a:extLst>
           </p:cNvPr>
@@ -2196,7 +2196,7 @@
           <p:cNvPr id="3" name="内容占位符 2">
             <a:extLst>
               <a:ext uri="{FF2B5EF4-FFF2-40B4-BE49-F238E27FC236}">
-                <a16:creationId xmlns:a16="http://schemas.microsoft.com/office/drawing/2014/main" id="{DBF1DAE3-B354-0B29-9884-3347DB4C325E}"/>
+                <a16:creationId xmlns:a16="http://schemas.microsoft.com/office/drawing/2014/main" id="{CE18C0BB-8AAE-75A5-AE89-3C70743B9B4E}"/>
               </a:ext>
             </a:extLst>
           </p:cNvPr>
@@ -2286,7 +2286,7 @@
           <p:cNvPr id="4" name="文本占位符 3">
             <a:extLst>
               <a:ext uri="{FF2B5EF4-FFF2-40B4-BE49-F238E27FC236}">
-                <a16:creationId xmlns:a16="http://schemas.microsoft.com/office/drawing/2014/main" id="{F7EADDF1-0B17-E57E-522C-72303E98326F}"/>
+                <a16:creationId xmlns:a16="http://schemas.microsoft.com/office/drawing/2014/main" id="{D7E3A1BB-C18E-0519-7D6A-61773F4CF10E}"/>
               </a:ext>
             </a:extLst>
           </p:cNvPr>
@@ -2357,7 +2357,7 @@
           <p:cNvPr id="5" name="日期占位符 4">
             <a:extLst>
               <a:ext uri="{FF2B5EF4-FFF2-40B4-BE49-F238E27FC236}">
-                <a16:creationId xmlns:a16="http://schemas.microsoft.com/office/drawing/2014/main" id="{646E4777-E300-9A1B-D7EB-075AC56B68AC}"/>
+                <a16:creationId xmlns:a16="http://schemas.microsoft.com/office/drawing/2014/main" id="{613C27AD-5C63-D531-844C-D1376CBEFF93}"/>
               </a:ext>
             </a:extLst>
           </p:cNvPr>
@@ -2373,7 +2373,7 @@
           <a:bodyPr/>
           <a:lstStyle/>
           <a:p>
-            <a:fld id="{5E421C36-B978-4A78-8AAA-0BE04BDDEA77}" type="datetimeFigureOut">
+            <a:fld id="{64584E25-238F-4DC2-8576-BCA5858E30F7}" type="datetimeFigureOut">
               <a:rPr lang="zh-CN" altLang="en-US" smtClean="0"/>
               <a:t>2024/3/10</a:t>
             </a:fld>
@@ -2386,7 +2386,7 @@
           <p:cNvPr id="6" name="页脚占位符 5">
             <a:extLst>
               <a:ext uri="{FF2B5EF4-FFF2-40B4-BE49-F238E27FC236}">
-                <a16:creationId xmlns:a16="http://schemas.microsoft.com/office/drawing/2014/main" id="{BD4B51F8-4E80-E209-92D0-0C1F2EE847A7}"/>
+                <a16:creationId xmlns:a16="http://schemas.microsoft.com/office/drawing/2014/main" id="{F73FB859-4921-D252-042B-347F8C14787C}"/>
               </a:ext>
             </a:extLst>
           </p:cNvPr>
@@ -2411,7 +2411,7 @@
           <p:cNvPr id="7" name="灯片编号占位符 6">
             <a:extLst>
               <a:ext uri="{FF2B5EF4-FFF2-40B4-BE49-F238E27FC236}">
-                <a16:creationId xmlns:a16="http://schemas.microsoft.com/office/drawing/2014/main" id="{2ABDF70F-F6A1-51BB-7511-BBF05F85AC63}"/>
+                <a16:creationId xmlns:a16="http://schemas.microsoft.com/office/drawing/2014/main" id="{DA73119C-D304-8835-8E7E-FCD3F7CA2F5C}"/>
               </a:ext>
             </a:extLst>
           </p:cNvPr>
@@ -2427,7 +2427,7 @@
           <a:bodyPr/>
           <a:lstStyle/>
           <a:p>
-            <a:fld id="{6951A948-EE73-43FB-8261-AA58B2111321}" type="slidenum">
+            <a:fld id="{18A9EDBD-CA90-49DD-8F31-47DC319BE175}" type="slidenum">
               <a:rPr lang="zh-CN" altLang="en-US" smtClean="0"/>
               <a:t>‹#›</a:t>
             </a:fld>
@@ -2438,7 +2438,7 @@
     </p:spTree>
     <p:extLst>
       <p:ext uri="{BB962C8B-B14F-4D97-AF65-F5344CB8AC3E}">
-        <p14:creationId xmlns:p14="http://schemas.microsoft.com/office/powerpoint/2010/main" val="3700351644"/>
+        <p14:creationId xmlns:p14="http://schemas.microsoft.com/office/powerpoint/2010/main" val="4004473273"/>
       </p:ext>
     </p:extLst>
   </p:cSld>
@@ -2470,7 +2470,7 @@
           <p:cNvPr id="2" name="标题 1">
             <a:extLst>
               <a:ext uri="{FF2B5EF4-FFF2-40B4-BE49-F238E27FC236}">
-                <a16:creationId xmlns:a16="http://schemas.microsoft.com/office/drawing/2014/main" id="{BD77B289-6F49-E96B-5FE6-0AA524E4A848}"/>
+                <a16:creationId xmlns:a16="http://schemas.microsoft.com/office/drawing/2014/main" id="{31F6EE9D-9D97-34B3-740D-B989E5095105}"/>
               </a:ext>
             </a:extLst>
           </p:cNvPr>
@@ -2507,7 +2507,7 @@
           <p:cNvPr id="3" name="图片占位符 2">
             <a:extLst>
               <a:ext uri="{FF2B5EF4-FFF2-40B4-BE49-F238E27FC236}">
-                <a16:creationId xmlns:a16="http://schemas.microsoft.com/office/drawing/2014/main" id="{CEDC6C0C-7ACD-3473-ABFF-3377417921FB}"/>
+                <a16:creationId xmlns:a16="http://schemas.microsoft.com/office/drawing/2014/main" id="{AB0E5FA3-648E-0F9F-C110-32C914089E2E}"/>
               </a:ext>
             </a:extLst>
           </p:cNvPr>
@@ -2574,7 +2574,7 @@
           <p:cNvPr id="4" name="文本占位符 3">
             <a:extLst>
               <a:ext uri="{FF2B5EF4-FFF2-40B4-BE49-F238E27FC236}">
-                <a16:creationId xmlns:a16="http://schemas.microsoft.com/office/drawing/2014/main" id="{8096A41B-F67B-036C-D65B-028C231F690B}"/>
+                <a16:creationId xmlns:a16="http://schemas.microsoft.com/office/drawing/2014/main" id="{148E6DB4-ED23-70F3-75C7-FA1D08C0496F}"/>
               </a:ext>
             </a:extLst>
           </p:cNvPr>
@@ -2645,7 +2645,7 @@
           <p:cNvPr id="5" name="日期占位符 4">
             <a:extLst>
               <a:ext uri="{FF2B5EF4-FFF2-40B4-BE49-F238E27FC236}">
-                <a16:creationId xmlns:a16="http://schemas.microsoft.com/office/drawing/2014/main" id="{90D846EE-2C2B-4C35-6F9B-DBFB13534EC9}"/>
+                <a16:creationId xmlns:a16="http://schemas.microsoft.com/office/drawing/2014/main" id="{48E3C314-6C1C-6C0D-79AB-4D022A1849FD}"/>
               </a:ext>
             </a:extLst>
           </p:cNvPr>
@@ -2661,7 +2661,7 @@
           <a:bodyPr/>
           <a:lstStyle/>
           <a:p>
-            <a:fld id="{5E421C36-B978-4A78-8AAA-0BE04BDDEA77}" type="datetimeFigureOut">
+            <a:fld id="{64584E25-238F-4DC2-8576-BCA5858E30F7}" type="datetimeFigureOut">
               <a:rPr lang="zh-CN" altLang="en-US" smtClean="0"/>
               <a:t>2024/3/10</a:t>
             </a:fld>
@@ -2674,7 +2674,7 @@
           <p:cNvPr id="6" name="页脚占位符 5">
             <a:extLst>
               <a:ext uri="{FF2B5EF4-FFF2-40B4-BE49-F238E27FC236}">
-                <a16:creationId xmlns:a16="http://schemas.microsoft.com/office/drawing/2014/main" id="{F799BCD6-44D4-710D-F709-18315E3DA27A}"/>
+                <a16:creationId xmlns:a16="http://schemas.microsoft.com/office/drawing/2014/main" id="{7C636714-5802-F0A2-578A-7DF68F6BEC1E}"/>
               </a:ext>
             </a:extLst>
           </p:cNvPr>
@@ -2699,7 +2699,7 @@
           <p:cNvPr id="7" name="灯片编号占位符 6">
             <a:extLst>
               <a:ext uri="{FF2B5EF4-FFF2-40B4-BE49-F238E27FC236}">
-                <a16:creationId xmlns:a16="http://schemas.microsoft.com/office/drawing/2014/main" id="{039E9BBE-AD6B-3328-4561-5177CFBF73CC}"/>
+                <a16:creationId xmlns:a16="http://schemas.microsoft.com/office/drawing/2014/main" id="{A4E3127C-7B99-A6B4-8FCB-B5A198557857}"/>
               </a:ext>
             </a:extLst>
           </p:cNvPr>
@@ -2715,7 +2715,7 @@
           <a:bodyPr/>
           <a:lstStyle/>
           <a:p>
-            <a:fld id="{6951A948-EE73-43FB-8261-AA58B2111321}" type="slidenum">
+            <a:fld id="{18A9EDBD-CA90-49DD-8F31-47DC319BE175}" type="slidenum">
               <a:rPr lang="zh-CN" altLang="en-US" smtClean="0"/>
               <a:t>‹#›</a:t>
             </a:fld>
@@ -2726,7 +2726,7 @@
     </p:spTree>
     <p:extLst>
       <p:ext uri="{BB962C8B-B14F-4D97-AF65-F5344CB8AC3E}">
-        <p14:creationId xmlns:p14="http://schemas.microsoft.com/office/powerpoint/2010/main" val="2426642096"/>
+        <p14:creationId xmlns:p14="http://schemas.microsoft.com/office/powerpoint/2010/main" val="2216134619"/>
       </p:ext>
     </p:extLst>
   </p:cSld>
@@ -2763,7 +2763,7 @@
           <p:cNvPr id="2" name="标题占位符 1">
             <a:extLst>
               <a:ext uri="{FF2B5EF4-FFF2-40B4-BE49-F238E27FC236}">
-                <a16:creationId xmlns:a16="http://schemas.microsoft.com/office/drawing/2014/main" id="{18487500-0DF3-AB97-2D0A-C390CF2E8618}"/>
+                <a16:creationId xmlns:a16="http://schemas.microsoft.com/office/drawing/2014/main" id="{0D68E83C-5847-A199-92CE-687AC4EEA290}"/>
               </a:ext>
             </a:extLst>
           </p:cNvPr>
@@ -2801,7 +2801,7 @@
           <p:cNvPr id="3" name="文本占位符 2">
             <a:extLst>
               <a:ext uri="{FF2B5EF4-FFF2-40B4-BE49-F238E27FC236}">
-                <a16:creationId xmlns:a16="http://schemas.microsoft.com/office/drawing/2014/main" id="{F349A3B0-CA77-E793-C7BA-9AE212116CD1}"/>
+                <a16:creationId xmlns:a16="http://schemas.microsoft.com/office/drawing/2014/main" id="{5233A164-4431-A168-F9F2-F31BDD33E24F}"/>
               </a:ext>
             </a:extLst>
           </p:cNvPr>
@@ -2868,7 +2868,7 @@
           <p:cNvPr id="4" name="日期占位符 3">
             <a:extLst>
               <a:ext uri="{FF2B5EF4-FFF2-40B4-BE49-F238E27FC236}">
-                <a16:creationId xmlns:a16="http://schemas.microsoft.com/office/drawing/2014/main" id="{F9C0734A-9771-1DE6-FA61-22EFDDFD6616}"/>
+                <a16:creationId xmlns:a16="http://schemas.microsoft.com/office/drawing/2014/main" id="{EB27C989-71E9-1960-CD53-8AADD3543E7D}"/>
               </a:ext>
             </a:extLst>
           </p:cNvPr>
@@ -2902,7 +2902,7 @@
             </a:lvl1pPr>
           </a:lstStyle>
           <a:p>
-            <a:fld id="{5E421C36-B978-4A78-8AAA-0BE04BDDEA77}" type="datetimeFigureOut">
+            <a:fld id="{64584E25-238F-4DC2-8576-BCA5858E30F7}" type="datetimeFigureOut">
               <a:rPr lang="zh-CN" altLang="en-US" smtClean="0"/>
               <a:t>2024/3/10</a:t>
             </a:fld>
@@ -2915,7 +2915,7 @@
           <p:cNvPr id="5" name="页脚占位符 4">
             <a:extLst>
               <a:ext uri="{FF2B5EF4-FFF2-40B4-BE49-F238E27FC236}">
-                <a16:creationId xmlns:a16="http://schemas.microsoft.com/office/drawing/2014/main" id="{E0C29D63-849C-C2A8-A9BE-20293C50A692}"/>
+                <a16:creationId xmlns:a16="http://schemas.microsoft.com/office/drawing/2014/main" id="{83D1F9AA-7982-AA6C-EBFA-BEF5E50CDF06}"/>
               </a:ext>
             </a:extLst>
           </p:cNvPr>
@@ -2958,7 +2958,7 @@
           <p:cNvPr id="6" name="灯片编号占位符 5">
             <a:extLst>
               <a:ext uri="{FF2B5EF4-FFF2-40B4-BE49-F238E27FC236}">
-                <a16:creationId xmlns:a16="http://schemas.microsoft.com/office/drawing/2014/main" id="{5F4624F7-FDB2-4085-69DD-164C79558C91}"/>
+                <a16:creationId xmlns:a16="http://schemas.microsoft.com/office/drawing/2014/main" id="{BFE0F442-DEE6-8DB0-BE09-04147264651F}"/>
               </a:ext>
             </a:extLst>
           </p:cNvPr>
@@ -2992,7 +2992,7 @@
             </a:lvl1pPr>
           </a:lstStyle>
           <a:p>
-            <a:fld id="{6951A948-EE73-43FB-8261-AA58B2111321}" type="slidenum">
+            <a:fld id="{18A9EDBD-CA90-49DD-8F31-47DC319BE175}" type="slidenum">
               <a:rPr lang="zh-CN" altLang="en-US" smtClean="0"/>
               <a:t>‹#›</a:t>
             </a:fld>
@@ -3003,7 +3003,7 @@
     </p:spTree>
     <p:extLst>
       <p:ext uri="{BB962C8B-B14F-4D97-AF65-F5344CB8AC3E}">
-        <p14:creationId xmlns:p14="http://schemas.microsoft.com/office/powerpoint/2010/main" val="2261555341"/>
+        <p14:creationId xmlns:p14="http://schemas.microsoft.com/office/powerpoint/2010/main" val="2402641536"/>
       </p:ext>
     </p:extLst>
   </p:cSld>
@@ -3323,7 +3323,7 @@
       </p:grpSpPr>
       <p:pic>
         <p:nvPicPr>
-          <p:cNvPr id="807938" name="Picture 2" descr="788"/>
+          <p:cNvPr id="808962" name="Picture 2" descr="789"/>
           <p:cNvPicPr>
             <a:picLocks noChangeAspect="1" noChangeArrowheads="1"/>
           </p:cNvPicPr>
@@ -3345,7 +3345,7 @@
         <p:spPr bwMode="auto">
           <a:xfrm>
             <a:off x="1524000" y="0"/>
-            <a:ext cx="9144000" cy="6858000"/>
+            <a:ext cx="9144000" cy="6453188"/>
           </a:xfrm>
           <a:prstGeom prst="rect">
             <a:avLst/>
